--- a/Classes/00-Presentation/ArchitectureMaster-00-Presentation.pptx
+++ b/Classes/00-Presentation/ArchitectureMaster-00-Presentation.pptx
@@ -264,7 +264,7 @@
           <a:p>
             <a:fld id="{C590909A-0DFE-43BA-B693-0183CFC4A986}" type="datetimeFigureOut">
               <a:rPr lang="en-US" smtClean="0"/>
-              <a:t>5/8/2023</a:t>
+              <a:t>5/17/2023</a:t>
             </a:fld>
             <a:endParaRPr lang="en-US"/>
           </a:p>
@@ -498,7 +498,7 @@
           <a:p>
             <a:fld id="{C590909A-0DFE-43BA-B693-0183CFC4A986}" type="datetimeFigureOut">
               <a:rPr lang="en-US" smtClean="0"/>
-              <a:t>5/8/2023</a:t>
+              <a:t>5/17/2023</a:t>
             </a:fld>
             <a:endParaRPr lang="en-US"/>
           </a:p>
@@ -706,7 +706,7 @@
           <a:p>
             <a:fld id="{C590909A-0DFE-43BA-B693-0183CFC4A986}" type="datetimeFigureOut">
               <a:rPr lang="en-US" smtClean="0"/>
-              <a:t>5/8/2023</a:t>
+              <a:t>5/17/2023</a:t>
             </a:fld>
             <a:endParaRPr lang="en-US"/>
           </a:p>
@@ -973,7 +973,7 @@
           <a:p>
             <a:fld id="{C590909A-0DFE-43BA-B693-0183CFC4A986}" type="datetimeFigureOut">
               <a:rPr lang="en-US" smtClean="0"/>
-              <a:t>5/8/2023</a:t>
+              <a:t>5/17/2023</a:t>
             </a:fld>
             <a:endParaRPr lang="en-US"/>
           </a:p>
@@ -1035,30 +1035,20 @@
       </p:sp>
       <p:pic>
         <p:nvPicPr>
-          <p:cNvPr id="7" name="Picture 6">
-            <a:extLst>
-              <a:ext uri="{FF2B5EF4-FFF2-40B4-BE49-F238E27FC236}">
-                <a16:creationId xmlns:a16="http://schemas.microsoft.com/office/drawing/2014/main" id="{EDD4C72B-DE6F-431F-A947-9D5783727FA9}"/>
-              </a:ext>
-            </a:extLst>
-          </p:cNvPr>
-          <p:cNvPicPr>
-            <a:picLocks noChangeAspect="1"/>
+          <p:cNvPr id="9" name="Picture 8">
+            <a:extLst>
+              <a:ext uri="{FF2B5EF4-FFF2-40B4-BE49-F238E27FC236}">
+                <a16:creationId xmlns:a16="http://schemas.microsoft.com/office/drawing/2014/main" id="{F06F3E75-F3B2-14B7-E910-1597A1766ED4}"/>
+              </a:ext>
+            </a:extLst>
+          </p:cNvPr>
+          <p:cNvPicPr preferRelativeResize="0">
+            <a:picLocks/>
           </p:cNvPicPr>
           <p:nvPr userDrawn="1"/>
         </p:nvPicPr>
         <p:blipFill>
           <a:blip r:embed="rId2">
-            <a:clrChange>
-              <a:clrFrom>
-                <a:srgbClr val="FFFFFF"/>
-              </a:clrFrom>
-              <a:clrTo>
-                <a:srgbClr val="FFFFFF">
-                  <a:alpha val="0"/>
-                </a:srgbClr>
-              </a:clrTo>
-            </a:clrChange>
             <a:extLst>
               <a:ext uri="{28A0092B-C50C-407E-A947-70E740481C1C}">
                 <a14:useLocalDpi xmlns:a14="http://schemas.microsoft.com/office/drawing/2010/main" val="0"/>
@@ -1071,8 +1061,8 @@
         </p:blipFill>
         <p:spPr>
           <a:xfrm rot="16200000">
-            <a:off x="-3009898" y="3009899"/>
-            <a:ext cx="6858000" cy="838201"/>
+            <a:off x="-3246123" y="3246119"/>
+            <a:ext cx="6858000" cy="365760"/>
           </a:xfrm>
           <a:prstGeom prst="rect">
             <a:avLst/>
@@ -1089,6 +1079,22 @@
   <p:clrMapOvr>
     <a:masterClrMapping/>
   </p:clrMapOvr>
+  <p:extLst>
+    <p:ext uri="{DCECCB84-F9BA-43D5-87BE-67443E8EF086}">
+      <p15:sldGuideLst xmlns:p15="http://schemas.microsoft.com/office/powerpoint/2012/main">
+        <p15:guide id="1" orient="horz" pos="2160" userDrawn="1">
+          <p15:clr>
+            <a:srgbClr val="FBAE40"/>
+          </p15:clr>
+        </p15:guide>
+        <p15:guide id="2" pos="3840" userDrawn="1">
+          <p15:clr>
+            <a:srgbClr val="FBAE40"/>
+          </p15:clr>
+        </p15:guide>
+      </p15:sldGuideLst>
+    </p:ext>
+  </p:extLst>
 </p:sldLayout>
 </file>
 
@@ -1294,7 +1300,7 @@
           <a:p>
             <a:fld id="{C590909A-0DFE-43BA-B693-0183CFC4A986}" type="datetimeFigureOut">
               <a:rPr lang="en-US" smtClean="0"/>
-              <a:t>5/8/2023</a:t>
+              <a:t>5/17/2023</a:t>
             </a:fld>
             <a:endParaRPr lang="en-US"/>
           </a:p>
@@ -1559,7 +1565,7 @@
           <a:p>
             <a:fld id="{C590909A-0DFE-43BA-B693-0183CFC4A986}" type="datetimeFigureOut">
               <a:rPr lang="en-US" smtClean="0"/>
-              <a:t>5/8/2023</a:t>
+              <a:t>5/17/2023</a:t>
             </a:fld>
             <a:endParaRPr lang="en-US"/>
           </a:p>
@@ -1971,7 +1977,7 @@
           <a:p>
             <a:fld id="{C590909A-0DFE-43BA-B693-0183CFC4A986}" type="datetimeFigureOut">
               <a:rPr lang="en-US" smtClean="0"/>
-              <a:t>5/8/2023</a:t>
+              <a:t>5/17/2023</a:t>
             </a:fld>
             <a:endParaRPr lang="en-US"/>
           </a:p>
@@ -2112,7 +2118,7 @@
           <a:p>
             <a:fld id="{C590909A-0DFE-43BA-B693-0183CFC4A986}" type="datetimeFigureOut">
               <a:rPr lang="en-US" smtClean="0"/>
-              <a:t>5/8/2023</a:t>
+              <a:t>5/17/2023</a:t>
             </a:fld>
             <a:endParaRPr lang="en-US"/>
           </a:p>
@@ -2225,7 +2231,7 @@
           <a:p>
             <a:fld id="{C590909A-0DFE-43BA-B693-0183CFC4A986}" type="datetimeFigureOut">
               <a:rPr lang="en-US" smtClean="0"/>
-              <a:t>5/8/2023</a:t>
+              <a:t>5/17/2023</a:t>
             </a:fld>
             <a:endParaRPr lang="en-US"/>
           </a:p>
@@ -2536,7 +2542,7 @@
           <a:p>
             <a:fld id="{C590909A-0DFE-43BA-B693-0183CFC4A986}" type="datetimeFigureOut">
               <a:rPr lang="en-US" smtClean="0"/>
-              <a:t>5/8/2023</a:t>
+              <a:t>5/17/2023</a:t>
             </a:fld>
             <a:endParaRPr lang="en-US"/>
           </a:p>
@@ -2824,7 +2830,7 @@
           <a:p>
             <a:fld id="{C590909A-0DFE-43BA-B693-0183CFC4A986}" type="datetimeFigureOut">
               <a:rPr lang="en-US" smtClean="0"/>
-              <a:t>5/8/2023</a:t>
+              <a:t>5/17/2023</a:t>
             </a:fld>
             <a:endParaRPr lang="en-US"/>
           </a:p>
@@ -3065,7 +3071,7 @@
           <a:p>
             <a:fld id="{C590909A-0DFE-43BA-B693-0183CFC4A986}" type="datetimeFigureOut">
               <a:rPr lang="en-US" smtClean="0"/>
-              <a:t>5/8/2023</a:t>
+              <a:t>5/17/2023</a:t>
             </a:fld>
             <a:endParaRPr lang="en-US"/>
           </a:p>
@@ -3462,6 +3468,22 @@
       </a:lvl9pPr>
     </p:otherStyle>
   </p:txStyles>
+  <p:extLst>
+    <p:ext uri="{27BBF7A9-308A-43DC-89C8-2F10F3537804}">
+      <p15:sldGuideLst xmlns:p15="http://schemas.microsoft.com/office/powerpoint/2012/main">
+        <p15:guide id="1" orient="horz" pos="2160" userDrawn="1">
+          <p15:clr>
+            <a:srgbClr val="F26B43"/>
+          </p15:clr>
+        </p15:guide>
+        <p15:guide id="2" pos="3840" userDrawn="1">
+          <p15:clr>
+            <a:srgbClr val="F26B43"/>
+          </p15:clr>
+        </p15:guide>
+      </p15:sldGuideLst>
+    </p:ext>
+  </p:extLst>
 </p:sldMaster>
 </file>
 

--- a/Classes/00-Presentation/ArchitectureMaster-00-Presentation.pptx
+++ b/Classes/00-Presentation/ArchitectureMaster-00-Presentation.pptx
@@ -264,7 +264,7 @@
           <a:p>
             <a:fld id="{C590909A-0DFE-43BA-B693-0183CFC4A986}" type="datetimeFigureOut">
               <a:rPr lang="en-US" smtClean="0"/>
-              <a:t>5/17/2023</a:t>
+              <a:t>2/12/2025</a:t>
             </a:fld>
             <a:endParaRPr lang="en-US"/>
           </a:p>
@@ -498,7 +498,7 @@
           <a:p>
             <a:fld id="{C590909A-0DFE-43BA-B693-0183CFC4A986}" type="datetimeFigureOut">
               <a:rPr lang="en-US" smtClean="0"/>
-              <a:t>5/17/2023</a:t>
+              <a:t>2/12/2025</a:t>
             </a:fld>
             <a:endParaRPr lang="en-US"/>
           </a:p>
@@ -706,7 +706,7 @@
           <a:p>
             <a:fld id="{C590909A-0DFE-43BA-B693-0183CFC4A986}" type="datetimeFigureOut">
               <a:rPr lang="en-US" smtClean="0"/>
-              <a:t>5/17/2023</a:t>
+              <a:t>2/12/2025</a:t>
             </a:fld>
             <a:endParaRPr lang="en-US"/>
           </a:p>
@@ -973,7 +973,7 @@
           <a:p>
             <a:fld id="{C590909A-0DFE-43BA-B693-0183CFC4A986}" type="datetimeFigureOut">
               <a:rPr lang="en-US" smtClean="0"/>
-              <a:t>5/17/2023</a:t>
+              <a:t>2/12/2025</a:t>
             </a:fld>
             <a:endParaRPr lang="en-US"/>
           </a:p>
@@ -1300,7 +1300,7 @@
           <a:p>
             <a:fld id="{C590909A-0DFE-43BA-B693-0183CFC4A986}" type="datetimeFigureOut">
               <a:rPr lang="en-US" smtClean="0"/>
-              <a:t>5/17/2023</a:t>
+              <a:t>2/12/2025</a:t>
             </a:fld>
             <a:endParaRPr lang="en-US"/>
           </a:p>
@@ -1565,7 +1565,7 @@
           <a:p>
             <a:fld id="{C590909A-0DFE-43BA-B693-0183CFC4A986}" type="datetimeFigureOut">
               <a:rPr lang="en-US" smtClean="0"/>
-              <a:t>5/17/2023</a:t>
+              <a:t>2/12/2025</a:t>
             </a:fld>
             <a:endParaRPr lang="en-US"/>
           </a:p>
@@ -1977,7 +1977,7 @@
           <a:p>
             <a:fld id="{C590909A-0DFE-43BA-B693-0183CFC4A986}" type="datetimeFigureOut">
               <a:rPr lang="en-US" smtClean="0"/>
-              <a:t>5/17/2023</a:t>
+              <a:t>2/12/2025</a:t>
             </a:fld>
             <a:endParaRPr lang="en-US"/>
           </a:p>
@@ -2118,7 +2118,7 @@
           <a:p>
             <a:fld id="{C590909A-0DFE-43BA-B693-0183CFC4A986}" type="datetimeFigureOut">
               <a:rPr lang="en-US" smtClean="0"/>
-              <a:t>5/17/2023</a:t>
+              <a:t>2/12/2025</a:t>
             </a:fld>
             <a:endParaRPr lang="en-US"/>
           </a:p>
@@ -2231,7 +2231,7 @@
           <a:p>
             <a:fld id="{C590909A-0DFE-43BA-B693-0183CFC4A986}" type="datetimeFigureOut">
               <a:rPr lang="en-US" smtClean="0"/>
-              <a:t>5/17/2023</a:t>
+              <a:t>2/12/2025</a:t>
             </a:fld>
             <a:endParaRPr lang="en-US"/>
           </a:p>
@@ -2542,7 +2542,7 @@
           <a:p>
             <a:fld id="{C590909A-0DFE-43BA-B693-0183CFC4A986}" type="datetimeFigureOut">
               <a:rPr lang="en-US" smtClean="0"/>
-              <a:t>5/17/2023</a:t>
+              <a:t>2/12/2025</a:t>
             </a:fld>
             <a:endParaRPr lang="en-US"/>
           </a:p>
@@ -2830,7 +2830,7 @@
           <a:p>
             <a:fld id="{C590909A-0DFE-43BA-B693-0183CFC4A986}" type="datetimeFigureOut">
               <a:rPr lang="en-US" smtClean="0"/>
-              <a:t>5/17/2023</a:t>
+              <a:t>2/12/2025</a:t>
             </a:fld>
             <a:endParaRPr lang="en-US"/>
           </a:p>
@@ -3071,7 +3071,7 @@
           <a:p>
             <a:fld id="{C590909A-0DFE-43BA-B693-0183CFC4A986}" type="datetimeFigureOut">
               <a:rPr lang="en-US" smtClean="0"/>
-              <a:t>5/17/2023</a:t>
+              <a:t>2/12/2025</a:t>
             </a:fld>
             <a:endParaRPr lang="en-US"/>
           </a:p>
@@ -3682,15 +3682,6 @@
           <a:lstStyle/>
           <a:p>
             <a:pPr algn="r"/>
-            <a:r>
-              <a:rPr lang="es-CO" sz="4000" b="1" dirty="0" err="1">
-                <a:solidFill>
-                  <a:schemeClr val="bg1"/>
-                </a:solidFill>
-                <a:latin typeface="+mn-lt"/>
-              </a:rPr>
-              <a:t>Micromaster</a:t>
-            </a:r>
             <a:br>
               <a:rPr lang="es-CO" sz="4000" b="1" dirty="0">
                 <a:solidFill>
@@ -3825,7 +3816,7 @@
           <p:nvPr>
             <p:extLst>
               <p:ext uri="{D42A27DB-BD31-4B8C-83A1-F6EECF244321}">
-                <p14:modId xmlns:p14="http://schemas.microsoft.com/office/powerpoint/2010/main" val="1187727851"/>
+                <p14:modId xmlns:p14="http://schemas.microsoft.com/office/powerpoint/2010/main" val="2261384698"/>
               </p:ext>
             </p:extLst>
           </p:nvPr>
@@ -4060,7 +4051,7 @@
                           <a:effectLst/>
                           <a:latin typeface="Calibri" panose="020F0502020204030204" pitchFamily="34" charset="0"/>
                         </a:rPr>
-                        <a:t>5:30 PM</a:t>
+                        <a:t>6:30 PM</a:t>
                       </a:r>
                     </a:p>
                   </a:txBody>
@@ -4162,7 +4153,7 @@
                           <a:effectLst/>
                           <a:latin typeface="Calibri" panose="020F0502020204030204" pitchFamily="34" charset="0"/>
                         </a:rPr>
-                        <a:t>Session</a:t>
+                        <a:t>Sesion</a:t>
                       </a:r>
                       <a:r>
                         <a:rPr lang="es-CO" sz="3600" b="0" i="0" u="none" strike="noStrike" dirty="0">
@@ -4226,7 +4217,7 @@
                     <a:p>
                       <a:pPr algn="ctr" fontAlgn="b"/>
                       <a:r>
-                        <a:rPr lang="es-CO" sz="3600" b="0" i="0" u="none" strike="noStrike">
+                        <a:rPr lang="es-CO" sz="3600" b="0" i="0" u="none" strike="noStrike" dirty="0">
                           <a:solidFill>
                             <a:srgbClr val="000000"/>
                           </a:solidFill>
@@ -4380,7 +4371,7 @@
                     <a:p>
                       <a:pPr algn="ctr" fontAlgn="b"/>
                       <a:r>
-                        <a:rPr lang="es-CO" sz="3600" b="0" i="0" u="none" strike="noStrike">
+                        <a:rPr lang="es-CO" sz="3600" b="0" i="0" u="none" strike="noStrike" dirty="0">
                           <a:solidFill>
                             <a:srgbClr val="000000"/>
                           </a:solidFill>
@@ -4489,7 +4480,7 @@
                           <a:effectLst/>
                           <a:latin typeface="Calibri" panose="020F0502020204030204" pitchFamily="34" charset="0"/>
                         </a:rPr>
-                        <a:t>Session</a:t>
+                        <a:t>Sesion</a:t>
                       </a:r>
                       <a:r>
                         <a:rPr lang="es-CO" sz="3600" b="0" i="0" u="none" strike="noStrike" dirty="0">
